--- a/ch4-struc-learning.pptx
+++ b/ch4-struc-learning.pptx
@@ -295,7 +295,7 @@
               <a:pPr>
                 <a:defRPr/>
               </a:pPr>
-              <a:t>2016-09-14</a:t>
+              <a:t>2016-09-23</a:t>
             </a:fld>
             <a:endParaRPr lang="en-US"/>
           </a:p>
@@ -511,7 +511,7 @@
               <a:pPr>
                 <a:defRPr/>
               </a:pPr>
-              <a:t>2016-09-14</a:t>
+              <a:t>2016-09-23</a:t>
             </a:fld>
             <a:endParaRPr lang="en-US"/>
           </a:p>
@@ -1506,18 +1506,6 @@
           <a:bodyPr/>
           <a:lstStyle/>
           <a:p>
-            <a:r>
-              <a:rPr lang="en-US" dirty="0" err="1" smtClean="0"/>
-              <a:t>todo</a:t>
-            </a:r>
-            <a:r>
-              <a:rPr lang="en-US" dirty="0" smtClean="0"/>
-              <a:t>: insert</a:t>
-            </a:r>
-            <a:r>
-              <a:rPr lang="en-US" baseline="0" dirty="0" smtClean="0"/>
-              <a:t> table</a:t>
-            </a:r>
             <a:endParaRPr lang="en-US" dirty="0"/>
           </a:p>
         </p:txBody>
@@ -2070,11 +2058,19 @@
           <a:p>
             <a:r>
               <a:rPr lang="en-US" dirty="0" smtClean="0"/>
-              <a:t>RDN-Boost stays within the original target table. RDN-Bayes</a:t>
+              <a:t>RDN-Boost stays within the original target table. </a:t>
+            </a:r>
+            <a:r>
+              <a:rPr lang="en-US" dirty="0" smtClean="0"/>
+              <a:t>LAJ</a:t>
             </a:r>
             <a:r>
               <a:rPr lang="en-US" baseline="0" dirty="0" smtClean="0"/>
-              <a:t> finds predictive features that are 2 links away.</a:t>
+              <a:t> </a:t>
+            </a:r>
+            <a:r>
+              <a:rPr lang="en-US" baseline="0" dirty="0" smtClean="0"/>
+              <a:t>finds predictive features that are 2 links away.</a:t>
             </a:r>
             <a:endParaRPr lang="en-US" dirty="0" smtClean="0"/>
           </a:p>
@@ -2544,7 +2540,7 @@
               <a:pPr>
                 <a:defRPr/>
               </a:pPr>
-              <a:t>2016-09-14</a:t>
+              <a:t>2016-09-23</a:t>
             </a:fld>
             <a:endParaRPr lang="en-US"/>
           </a:p>
@@ -2745,7 +2741,7 @@
               <a:pPr>
                 <a:defRPr/>
               </a:pPr>
-              <a:t>2016-09-14</a:t>
+              <a:t>2016-09-23</a:t>
             </a:fld>
             <a:endParaRPr lang="en-US"/>
           </a:p>
@@ -2956,7 +2952,7 @@
               <a:pPr>
                 <a:defRPr/>
               </a:pPr>
-              <a:t>2016-09-14</a:t>
+              <a:t>2016-09-23</a:t>
             </a:fld>
             <a:endParaRPr lang="en-US"/>
           </a:p>
@@ -3162,7 +3158,7 @@
               <a:pPr>
                 <a:defRPr/>
               </a:pPr>
-              <a:t>2016-09-14</a:t>
+              <a:t>2016-09-23</a:t>
             </a:fld>
             <a:endParaRPr lang="en-US"/>
           </a:p>
@@ -3681,7 +3677,7 @@
               <a:pPr>
                 <a:defRPr/>
               </a:pPr>
-              <a:t>2016-09-14</a:t>
+              <a:t>2016-09-23</a:t>
             </a:fld>
             <a:endParaRPr lang="en-US"/>
           </a:p>
@@ -3954,7 +3950,7 @@
               <a:pPr>
                 <a:defRPr/>
               </a:pPr>
-              <a:t>2016-09-14</a:t>
+              <a:t>2016-09-23</a:t>
             </a:fld>
             <a:endParaRPr lang="en-US"/>
           </a:p>
@@ -4352,7 +4348,7 @@
               <a:pPr>
                 <a:defRPr/>
               </a:pPr>
-              <a:t>2016-09-14</a:t>
+              <a:t>2016-09-23</a:t>
             </a:fld>
             <a:endParaRPr lang="en-US"/>
           </a:p>
@@ -4501,7 +4497,7 @@
               <a:pPr>
                 <a:defRPr/>
               </a:pPr>
-              <a:t>2016-09-14</a:t>
+              <a:t>2016-09-23</a:t>
             </a:fld>
             <a:endParaRPr lang="en-US"/>
           </a:p>
@@ -4627,7 +4623,7 @@
               <a:pPr>
                 <a:defRPr/>
               </a:pPr>
-              <a:t>2016-09-14</a:t>
+              <a:t>2016-09-23</a:t>
             </a:fld>
             <a:endParaRPr lang="en-US"/>
           </a:p>
@@ -5003,7 +4999,7 @@
               <a:pPr>
                 <a:defRPr/>
               </a:pPr>
-              <a:t>2016-09-14</a:t>
+              <a:t>2016-09-23</a:t>
             </a:fld>
             <a:endParaRPr lang="en-US"/>
           </a:p>
@@ -5426,7 +5422,7 @@
               <a:pPr>
                 <a:defRPr/>
               </a:pPr>
-              <a:t>2016-09-14</a:t>
+              <a:t>2016-09-23</a:t>
             </a:fld>
             <a:endParaRPr lang="en-US"/>
           </a:p>
@@ -5846,7 +5842,7 @@
               <a:pPr>
                 <a:defRPr/>
               </a:pPr>
-              <a:t>2016-09-14</a:t>
+              <a:t>2016-09-23</a:t>
             </a:fld>
             <a:endParaRPr lang="en-US"/>
           </a:p>
@@ -6831,46 +6827,6 @@
           </a:p>
         </p:txBody>
       </p:sp>
-      <p:sp>
-        <p:nvSpPr>
-          <p:cNvPr id="7" name="TextBox 6"/>
-          <p:cNvSpPr txBox="1"/>
-          <p:nvPr/>
-        </p:nvSpPr>
-        <p:spPr>
-          <a:xfrm>
-            <a:off x="7006325" y="3893931"/>
-            <a:ext cx="1827203" cy="954107"/>
-          </a:xfrm>
-          <a:prstGeom prst="rect">
-            <a:avLst/>
-          </a:prstGeom>
-          <a:noFill/>
-        </p:spPr>
-        <p:txBody>
-          <a:bodyPr wrap="square" rtlCol="0">
-            <a:spAutoFit/>
-          </a:bodyPr>
-          <a:lstStyle/>
-          <a:p>
-            <a:r>
-              <a:rPr lang="en-US" sz="2800" dirty="0" smtClean="0">
-                <a:solidFill>
-                  <a:srgbClr val="3366FF"/>
-                </a:solidFill>
-                <a:latin typeface="+mn-lt"/>
-              </a:rPr>
-              <a:t>relational score</a:t>
-            </a:r>
-            <a:endParaRPr lang="en-US" sz="2800" dirty="0">
-              <a:solidFill>
-                <a:srgbClr val="3366FF"/>
-              </a:solidFill>
-              <a:latin typeface="+mn-lt"/>
-            </a:endParaRPr>
-          </a:p>
-        </p:txBody>
-      </p:sp>
       <p:cxnSp>
         <p:nvCxnSpPr>
           <p:cNvPr id="9" name="Straight Arrow Connector 8"/>
@@ -7179,14 +7135,14 @@
           <p:nvPr>
             <p:extLst>
               <p:ext uri="{D42A27DB-BD31-4B8C-83A1-F6EECF244321}">
-                <p14:modId xmlns:p14="http://schemas.microsoft.com/office/powerpoint/2010/main" val="2268755867"/>
+                <p14:modId xmlns:p14="http://schemas.microsoft.com/office/powerpoint/2010/main" val="3193748734"/>
               </p:ext>
             </p:extLst>
           </p:nvPr>
         </p:nvGraphicFramePr>
         <p:xfrm>
-          <a:off x="359410" y="1592163"/>
-          <a:ext cx="8523799" cy="3078480"/>
+          <a:off x="173294" y="1592163"/>
+          <a:ext cx="8796909" cy="3062876"/>
         </p:xfrm>
         <a:graphic>
           <a:graphicData uri="http://schemas.openxmlformats.org/drawingml/2006/table">
@@ -7196,7 +7152,7 @@
               </a:tblPr>
               <a:tblGrid>
                 <a:gridCol w="1840481"/>
-                <a:gridCol w="1238432"/>
+                <a:gridCol w="1511542"/>
                 <a:gridCol w="1103964"/>
                 <a:gridCol w="1474629"/>
                 <a:gridCol w="1488010"/>
@@ -7238,11 +7194,6 @@
                         </a:rPr>
                         <a:t># </a:t>
                       </a:r>
-                      <a:br>
-                        <a:rPr lang="en-US" sz="2200" u="none" strike="noStrike" dirty="0" smtClean="0">
-                          <a:effectLst/>
-                        </a:rPr>
-                      </a:br>
                       <a:r>
                         <a:rPr lang="en-US" sz="2200" u="none" strike="noStrike" dirty="0" smtClean="0">
                           <a:effectLst/>
@@ -8659,7 +8610,7 @@
           <p:nvPr>
             <p:extLst>
               <p:ext uri="{D42A27DB-BD31-4B8C-83A1-F6EECF244321}">
-                <p14:modId xmlns:p14="http://schemas.microsoft.com/office/powerpoint/2010/main" val="792016479"/>
+                <p14:modId xmlns:p14="http://schemas.microsoft.com/office/powerpoint/2010/main" val="2900414261"/>
               </p:ext>
             </p:extLst>
           </p:nvPr>
@@ -8797,7 +8748,7 @@
                     <a:p>
                       <a:r>
                         <a:rPr lang="en-US" sz="1600" dirty="0" smtClean="0"/>
-                        <a:t>RDN-Bayes</a:t>
+                        <a:t>Learn-and-Join</a:t>
                       </a:r>
                       <a:endParaRPr lang="en-US" sz="1600" dirty="0"/>
                     </a:p>
@@ -9743,51 +9694,6 @@
                 <a:latin typeface="+mn-lt"/>
               </a:rPr>
               <a:t>RDN-Boost</a:t>
-            </a:r>
-            <a:endParaRPr lang="en-US" dirty="0">
-              <a:latin typeface="+mn-lt"/>
-            </a:endParaRPr>
-          </a:p>
-        </p:txBody>
-      </p:sp>
-      <p:sp>
-        <p:nvSpPr>
-          <p:cNvPr id="29" name="TextBox 28"/>
-          <p:cNvSpPr txBox="1"/>
-          <p:nvPr/>
-        </p:nvSpPr>
-        <p:spPr>
-          <a:xfrm>
-            <a:off x="4978400" y="3458448"/>
-            <a:ext cx="762000" cy="646331"/>
-          </a:xfrm>
-          <a:prstGeom prst="rect">
-            <a:avLst/>
-          </a:prstGeom>
-          <a:noFill/>
-        </p:spPr>
-        <p:txBody>
-          <a:bodyPr wrap="square" rtlCol="0">
-            <a:spAutoFit/>
-          </a:bodyPr>
-          <a:lstStyle/>
-          <a:p>
-            <a:r>
-              <a:rPr lang="en-US" dirty="0" smtClean="0">
-                <a:latin typeface="+mn-lt"/>
-              </a:rPr>
-              <a:t>RDN-</a:t>
-            </a:r>
-            <a:br>
-              <a:rPr lang="en-US" dirty="0" smtClean="0">
-                <a:latin typeface="+mn-lt"/>
-              </a:rPr>
-            </a:br>
-            <a:r>
-              <a:rPr lang="en-US" dirty="0" smtClean="0">
-                <a:latin typeface="+mn-lt"/>
-              </a:rPr>
-              <a:t>Bayes</a:t>
             </a:r>
             <a:endParaRPr lang="en-US" dirty="0">
               <a:latin typeface="+mn-lt"/>
@@ -10649,7 +10555,11 @@
           <a:p>
             <a:r>
               <a:rPr lang="en-US" dirty="0" smtClean="0"/>
-              <a:t>Learn and Join Algorithm</a:t>
+              <a:t>The Learn </a:t>
+            </a:r>
+            <a:r>
+              <a:rPr lang="en-US" dirty="0" smtClean="0"/>
+              <a:t>and Join Algorithm</a:t>
             </a:r>
             <a:endParaRPr lang="en-US" dirty="0"/>
           </a:p>
@@ -11819,7 +11729,7 @@
             <p:ph sz="quarter" idx="1"/>
             <p:extLst>
               <p:ext uri="{D42A27DB-BD31-4B8C-83A1-F6EECF244321}">
-                <p14:modId xmlns:p14="http://schemas.microsoft.com/office/powerpoint/2010/main" val="1373713397"/>
+                <p14:modId xmlns:p14="http://schemas.microsoft.com/office/powerpoint/2010/main" val="3281232942"/>
               </p:ext>
             </p:extLst>
           </p:nvPr>
@@ -11930,27 +11840,34 @@
                     <a:p>
                       <a:pPr algn="r" fontAlgn="b"/>
                       <a:r>
-                        <a:rPr lang="ru-RU" sz="2800" b="0" i="0" u="none" strike="noStrike">
+                        <a:rPr lang="en-CA" sz="2800" b="0" i="0" u="none" strike="noStrike" dirty="0" smtClean="0">
                           <a:solidFill>
                             <a:srgbClr val="000000"/>
                           </a:solidFill>
                           <a:effectLst/>
                           <a:latin typeface="+mn-lt"/>
                         </a:rPr>
-                        <a:t>534</a:t>
-                      </a:r>
-                    </a:p>
-                  </a:txBody>
-                  <a:tcPr marL="12700" marR="12700" marT="12700" marB="0" anchor="b"/>
-                </a:tc>
-                <a:tc>
-                  <a:txBody>
-                    <a:bodyPr/>
-                    <a:lstStyle/>
-                    <a:p>
-                      <a:pPr algn="r" fontAlgn="b"/>
-                      <a:r>
-                        <a:rPr lang="en-US" sz="2800" b="0" i="0" u="none" strike="noStrike">
+                        <a:t>538</a:t>
+                      </a:r>
+                      <a:endParaRPr lang="ru-RU" sz="2800" b="0" i="0" u="none" strike="noStrike" dirty="0">
+                        <a:solidFill>
+                          <a:srgbClr val="000000"/>
+                        </a:solidFill>
+                        <a:effectLst/>
+                        <a:latin typeface="+mn-lt"/>
+                      </a:endParaRPr>
+                    </a:p>
+                  </a:txBody>
+                  <a:tcPr marL="12700" marR="12700" marT="12700" marB="0" anchor="b"/>
+                </a:tc>
+                <a:tc>
+                  <a:txBody>
+                    <a:bodyPr/>
+                    <a:lstStyle/>
+                    <a:p>
+                      <a:pPr algn="r" fontAlgn="b"/>
+                      <a:r>
+                        <a:rPr lang="en-US" sz="2800" b="0" i="0" u="none" strike="noStrike" dirty="0">
                           <a:solidFill>
                             <a:srgbClr val="000000"/>
                           </a:solidFill>
@@ -12032,7 +11949,7 @@
                     <a:p>
                       <a:pPr algn="r" fontAlgn="b"/>
                       <a:r>
-                        <a:rPr lang="en-US" sz="2800" b="0" i="0" u="none" strike="noStrike">
+                        <a:rPr lang="en-US" sz="2800" b="0" i="0" u="none" strike="noStrike" dirty="0">
                           <a:solidFill>
                             <a:srgbClr val="000000"/>
                           </a:solidFill>
@@ -12134,7 +12051,7 @@
                     <a:p>
                       <a:pPr algn="r" fontAlgn="b"/>
                       <a:r>
-                        <a:rPr lang="en-US" sz="2800" b="0" i="0" u="none" strike="noStrike">
+                        <a:rPr lang="en-US" sz="2800" b="0" i="0" u="none" strike="noStrike" dirty="0">
                           <a:solidFill>
                             <a:srgbClr val="000000"/>
                           </a:solidFill>
@@ -16647,10 +16564,22 @@
           <a:lstStyle/>
           <a:p>
             <a:r>
-              <a:rPr lang="en-US">
+              <a:rPr lang="en-US" dirty="0">
                 <a:latin typeface="+mn-lt"/>
               </a:rPr>
-              <a:t>the full CT table contais 42 rows</a:t>
+              <a:t>the full CT table </a:t>
+            </a:r>
+            <a:r>
+              <a:rPr lang="en-US" dirty="0" smtClean="0">
+                <a:latin typeface="+mn-lt"/>
+              </a:rPr>
+              <a:t>contains </a:t>
+            </a:r>
+            <a:r>
+              <a:rPr lang="en-US" dirty="0">
+                <a:latin typeface="+mn-lt"/>
+              </a:rPr>
+              <a:t>42 rows</a:t>
             </a:r>
           </a:p>
         </p:txBody>

--- a/ch4-struc-learning.pptx
+++ b/ch4-struc-learning.pptx
@@ -303,7 +303,7 @@
               <a:pPr>
                 <a:defRPr/>
               </a:pPr>
-              <a:t>2017-02-02</a:t>
+              <a:t>2017-02-05</a:t>
             </a:fld>
             <a:endParaRPr lang="en-US"/>
           </a:p>
@@ -519,7 +519,7 @@
               <a:pPr>
                 <a:defRPr/>
               </a:pPr>
-              <a:t>2017-02-02</a:t>
+              <a:t>2017-02-05</a:t>
             </a:fld>
             <a:endParaRPr lang="en-US"/>
           </a:p>
@@ -2154,6 +2154,14 @@
           <a:bodyPr/>
           <a:lstStyle/>
           <a:p>
+            <a:r>
+              <a:rPr lang="en-US" dirty="0" smtClean="0"/>
+              <a:t>note how we can get the </a:t>
+            </a:r>
+            <a:r>
+              <a:rPr lang="en-US" smtClean="0"/>
+              <a:t>false rows</a:t>
+            </a:r>
             <a:endParaRPr lang="en-US" dirty="0"/>
           </a:p>
         </p:txBody>
@@ -2712,7 +2720,7 @@
               <a:pPr>
                 <a:defRPr/>
               </a:pPr>
-              <a:t>2017-02-02</a:t>
+              <a:t>2017-02-05</a:t>
             </a:fld>
             <a:endParaRPr lang="en-US"/>
           </a:p>
@@ -2913,7 +2921,7 @@
               <a:pPr>
                 <a:defRPr/>
               </a:pPr>
-              <a:t>2017-02-02</a:t>
+              <a:t>2017-02-05</a:t>
             </a:fld>
             <a:endParaRPr lang="en-US"/>
           </a:p>
@@ -3124,7 +3132,7 @@
               <a:pPr>
                 <a:defRPr/>
               </a:pPr>
-              <a:t>2017-02-02</a:t>
+              <a:t>2017-02-05</a:t>
             </a:fld>
             <a:endParaRPr lang="en-US"/>
           </a:p>
@@ -3330,7 +3338,7 @@
               <a:pPr>
                 <a:defRPr/>
               </a:pPr>
-              <a:t>2017-02-02</a:t>
+              <a:t>2017-02-05</a:t>
             </a:fld>
             <a:endParaRPr lang="en-US"/>
           </a:p>
@@ -3849,7 +3857,7 @@
               <a:pPr>
                 <a:defRPr/>
               </a:pPr>
-              <a:t>2017-02-02</a:t>
+              <a:t>2017-02-05</a:t>
             </a:fld>
             <a:endParaRPr lang="en-US"/>
           </a:p>
@@ -4122,7 +4130,7 @@
               <a:pPr>
                 <a:defRPr/>
               </a:pPr>
-              <a:t>2017-02-02</a:t>
+              <a:t>2017-02-05</a:t>
             </a:fld>
             <a:endParaRPr lang="en-US"/>
           </a:p>
@@ -4520,7 +4528,7 @@
               <a:pPr>
                 <a:defRPr/>
               </a:pPr>
-              <a:t>2017-02-02</a:t>
+              <a:t>2017-02-05</a:t>
             </a:fld>
             <a:endParaRPr lang="en-US"/>
           </a:p>
@@ -4669,7 +4677,7 @@
               <a:pPr>
                 <a:defRPr/>
               </a:pPr>
-              <a:t>2017-02-02</a:t>
+              <a:t>2017-02-05</a:t>
             </a:fld>
             <a:endParaRPr lang="en-US"/>
           </a:p>
@@ -4795,7 +4803,7 @@
               <a:pPr>
                 <a:defRPr/>
               </a:pPr>
-              <a:t>2017-02-02</a:t>
+              <a:t>2017-02-05</a:t>
             </a:fld>
             <a:endParaRPr lang="en-US"/>
           </a:p>
@@ -5171,7 +5179,7 @@
               <a:pPr>
                 <a:defRPr/>
               </a:pPr>
-              <a:t>2017-02-02</a:t>
+              <a:t>2017-02-05</a:t>
             </a:fld>
             <a:endParaRPr lang="en-US"/>
           </a:p>
@@ -5594,7 +5602,7 @@
               <a:pPr>
                 <a:defRPr/>
               </a:pPr>
-              <a:t>2017-02-02</a:t>
+              <a:t>2017-02-05</a:t>
             </a:fld>
             <a:endParaRPr lang="en-US"/>
           </a:p>
@@ -6014,7 +6022,7 @@
               <a:pPr>
                 <a:defRPr/>
               </a:pPr>
-              <a:t>2017-02-02</a:t>
+              <a:t>2017-02-05</a:t>
             </a:fld>
             <a:endParaRPr lang="en-US"/>
           </a:p>
@@ -7391,7 +7399,7 @@
             <p:ph sz="quarter" idx="1"/>
             <p:extLst>
               <p:ext uri="{D42A27DB-BD31-4B8C-83A1-F6EECF244321}">
-                <p14:modId xmlns:p14="http://schemas.microsoft.com/office/powerpoint/2010/main" val="1387241192"/>
+                <p14:modId xmlns:p14="http://schemas.microsoft.com/office/powerpoint/2010/main" val="1067917024"/>
               </p:ext>
             </p:extLst>
           </p:nvPr>
@@ -7404,7 +7412,7 @@
           <a:graphicData uri="http://schemas.openxmlformats.org/drawingml/2006/table">
             <a:tbl>
               <a:tblPr firstRow="1" bandRow="1">
-                <a:tableStyleId>{F5AB1C69-6EDB-4FF4-983F-18BD219EF322}</a:tableStyleId>
+                <a:tableStyleId>{5C22544A-7EE6-4342-B048-85BDC9FD1C3A}</a:tableStyleId>
               </a:tblPr>
               <a:tblGrid>
                 <a:gridCol w="1047885"/>
@@ -7419,12 +7427,12 @@
                     <a:p>
                       <a:pPr algn="l" fontAlgn="b"/>
                       <a:r>
-                        <a:rPr lang="en-US" sz="1200" u="none" strike="noStrike">
+                        <a:rPr lang="en-US" sz="1200" u="none" strike="noStrike" dirty="0">
                           <a:effectLst/>
                         </a:rPr>
                         <a:t>COUNT(*)</a:t>
                       </a:r>
-                      <a:endParaRPr lang="en-US" sz="1200" b="0" i="0" u="none" strike="noStrike">
+                      <a:endParaRPr lang="en-US" sz="1200" b="0" i="0" u="none" strike="noStrike" dirty="0">
                         <a:solidFill>
                           <a:srgbClr val="000000"/>
                         </a:solidFill>
@@ -8404,6 +8412,13 @@
   <p:clrMapOvr>
     <a:masterClrMapping/>
   </p:clrMapOvr>
+  <p:timing>
+    <p:tnLst>
+      <p:par>
+        <p:cTn xmlns:p14="http://schemas.microsoft.com/office/powerpoint/2010/main" id="1" dur="indefinite" restart="never" nodeType="tmRoot"/>
+      </p:par>
+    </p:tnLst>
+  </p:timing>
 </p:sld>
 </file>
 
@@ -15707,6 +15722,13 @@
   <p:clrMapOvr>
     <a:masterClrMapping/>
   </p:clrMapOvr>
+  <p:timing>
+    <p:tnLst>
+      <p:par>
+        <p:cTn xmlns:p14="http://schemas.microsoft.com/office/powerpoint/2010/main" id="1" dur="indefinite" restart="never" nodeType="tmRoot"/>
+      </p:par>
+    </p:tnLst>
+  </p:timing>
 </p:sld>
 </file>
 
@@ -15855,6 +15877,13 @@
   <p:clrMapOvr>
     <a:masterClrMapping/>
   </p:clrMapOvr>
+  <p:timing>
+    <p:tnLst>
+      <p:par>
+        <p:cTn xmlns:p14="http://schemas.microsoft.com/office/powerpoint/2010/main" id="1" dur="indefinite" restart="never" nodeType="tmRoot"/>
+      </p:par>
+    </p:tnLst>
+  </p:timing>
 </p:sld>
 </file>
 
@@ -16069,6 +16098,13 @@
   <p:clrMapOvr>
     <a:masterClrMapping/>
   </p:clrMapOvr>
+  <p:timing>
+    <p:tnLst>
+      <p:par>
+        <p:cTn xmlns:p14="http://schemas.microsoft.com/office/powerpoint/2010/main" id="1" dur="indefinite" restart="never" nodeType="tmRoot"/>
+      </p:par>
+    </p:tnLst>
+  </p:timing>
 </p:sld>
 </file>
 
@@ -21164,6 +21200,13 @@
   <p:clrMapOvr>
     <a:masterClrMapping/>
   </p:clrMapOvr>
+  <p:timing>
+    <p:tnLst>
+      <p:par>
+        <p:cTn xmlns:p14="http://schemas.microsoft.com/office/powerpoint/2010/main" id="1" dur="indefinite" restart="never" nodeType="tmRoot"/>
+      </p:par>
+    </p:tnLst>
+  </p:timing>
 </p:sld>
 </file>
 
